--- a/Tutorials/SDL2SetupVS2010.pptx
+++ b/Tutorials/SDL2SetupVS2010.pptx
@@ -18,6 +18,7 @@
     <p:sldId id="293" r:id="rId12"/>
     <p:sldId id="295" r:id="rId13"/>
     <p:sldId id="294" r:id="rId14"/>
+    <p:sldId id="296" r:id="rId15"/>
   </p:sldIdLst>
   <p:sldSz cx="9144000" cy="6858000" type="screen4x3"/>
   <p:notesSz cx="6858000" cy="9144000"/>
@@ -118,7 +119,7 @@
   </p:defaultTextStyle>
   <p:extLst>
     <p:ext uri="{EFAFB233-063F-42B5-8137-9DF3F51BA10A}">
-      <p15:sldGuideLst xmlns="" xmlns:p15="http://schemas.microsoft.com/office/powerpoint/2012/main">
+      <p15:sldGuideLst xmlns:p15="http://schemas.microsoft.com/office/powerpoint/2012/main" xmlns="">
         <p15:guide id="1" orient="horz" pos="2160">
           <p15:clr>
             <a:srgbClr val="A4A3A4"/>
@@ -316,7 +317,7 @@
           <a:p>
             <a:fld id="{530820CF-B880-4189-942D-D702A7CBA730}" type="datetimeFigureOut">
               <a:rPr lang="zh-CN" altLang="en-US" smtClean="0"/>
-              <a:t>2017/5/2</a:t>
+              <a:t>2017/5/10</a:t>
             </a:fld>
             <a:endParaRPr lang="zh-CN" altLang="en-US"/>
           </a:p>
@@ -493,7 +494,7 @@
           <a:p>
             <a:fld id="{530820CF-B880-4189-942D-D702A7CBA730}" type="datetimeFigureOut">
               <a:rPr lang="zh-CN" altLang="en-US" smtClean="0"/>
-              <a:t>2017/5/2</a:t>
+              <a:t>2017/5/10</a:t>
             </a:fld>
             <a:endParaRPr lang="zh-CN" altLang="en-US"/>
           </a:p>
@@ -673,7 +674,7 @@
           <a:p>
             <a:fld id="{530820CF-B880-4189-942D-D702A7CBA730}" type="datetimeFigureOut">
               <a:rPr lang="zh-CN" altLang="en-US" smtClean="0"/>
-              <a:t>2017/5/2</a:t>
+              <a:t>2017/5/10</a:t>
             </a:fld>
             <a:endParaRPr lang="zh-CN" altLang="en-US"/>
           </a:p>
@@ -847,7 +848,7 @@
           <a:p>
             <a:fld id="{530820CF-B880-4189-942D-D702A7CBA730}" type="datetimeFigureOut">
               <a:rPr lang="zh-CN" altLang="en-US" smtClean="0"/>
-              <a:t>2017/5/2</a:t>
+              <a:t>2017/5/10</a:t>
             </a:fld>
             <a:endParaRPr lang="zh-CN" altLang="en-US"/>
           </a:p>
@@ -1100,7 +1101,7 @@
           <a:p>
             <a:fld id="{530820CF-B880-4189-942D-D702A7CBA730}" type="datetimeFigureOut">
               <a:rPr lang="zh-CN" altLang="en-US" smtClean="0"/>
-              <a:t>2017/5/2</a:t>
+              <a:t>2017/5/10</a:t>
             </a:fld>
             <a:endParaRPr lang="zh-CN" altLang="en-US"/>
           </a:p>
@@ -1395,7 +1396,7 @@
           <a:p>
             <a:fld id="{530820CF-B880-4189-942D-D702A7CBA730}" type="datetimeFigureOut">
               <a:rPr lang="zh-CN" altLang="en-US" smtClean="0"/>
-              <a:t>2017/5/2</a:t>
+              <a:t>2017/5/10</a:t>
             </a:fld>
             <a:endParaRPr lang="zh-CN" altLang="en-US"/>
           </a:p>
@@ -1824,7 +1825,7 @@
           <a:p>
             <a:fld id="{530820CF-B880-4189-942D-D702A7CBA730}" type="datetimeFigureOut">
               <a:rPr lang="zh-CN" altLang="en-US" smtClean="0"/>
-              <a:t>2017/5/2</a:t>
+              <a:t>2017/5/10</a:t>
             </a:fld>
             <a:endParaRPr lang="zh-CN" altLang="en-US"/>
           </a:p>
@@ -1946,7 +1947,7 @@
           <a:p>
             <a:fld id="{530820CF-B880-4189-942D-D702A7CBA730}" type="datetimeFigureOut">
               <a:rPr lang="zh-CN" altLang="en-US" smtClean="0"/>
-              <a:t>2017/5/2</a:t>
+              <a:t>2017/5/10</a:t>
             </a:fld>
             <a:endParaRPr lang="zh-CN" altLang="en-US"/>
           </a:p>
@@ -2041,7 +2042,7 @@
           <a:p>
             <a:fld id="{5C81DDF8-72CB-454D-8936-582D83AC0BBC}" type="datetimeFigureOut">
               <a:rPr lang="zh-CN" altLang="en-US" smtClean="0"/>
-              <a:t>2017/5/2</a:t>
+              <a:t>2017/5/10</a:t>
             </a:fld>
             <a:endParaRPr lang="zh-CN" altLang="en-US"/>
           </a:p>
@@ -2325,7 +2326,7 @@
           <a:p>
             <a:fld id="{530820CF-B880-4189-942D-D702A7CBA730}" type="datetimeFigureOut">
               <a:rPr lang="zh-CN" altLang="en-US" smtClean="0"/>
-              <a:t>2017/5/2</a:t>
+              <a:t>2017/5/10</a:t>
             </a:fld>
             <a:endParaRPr lang="zh-CN" altLang="en-US"/>
           </a:p>
@@ -2585,7 +2586,7 @@
           <a:p>
             <a:fld id="{530820CF-B880-4189-942D-D702A7CBA730}" type="datetimeFigureOut">
               <a:rPr lang="zh-CN" altLang="en-US" smtClean="0"/>
-              <a:t>2017/5/2</a:t>
+              <a:t>2017/5/10</a:t>
             </a:fld>
             <a:endParaRPr lang="zh-CN" altLang="en-US"/>
           </a:p>
@@ -2798,7 +2799,7 @@
           <a:p>
             <a:fld id="{530820CF-B880-4189-942D-D702A7CBA730}" type="datetimeFigureOut">
               <a:rPr lang="zh-CN" altLang="en-US" smtClean="0"/>
-              <a:t>2017/5/2</a:t>
+              <a:t>2017/5/10</a:t>
             </a:fld>
             <a:endParaRPr lang="zh-CN" altLang="en-US"/>
           </a:p>
@@ -4352,11 +4353,7 @@
             </a:r>
             <a:r>
               <a:rPr lang="zh-CN" altLang="en-US" dirty="0" smtClean="0"/>
-              <a:t>课程的例程都采用这</a:t>
-            </a:r>
-            <a:r>
-              <a:rPr lang="zh-CN" altLang="en-US" dirty="0" smtClean="0"/>
-              <a:t>方法。</a:t>
+              <a:t>课程的例程都采用这方法。</a:t>
             </a:r>
             <a:endParaRPr lang="en-US" altLang="zh-CN" dirty="0" smtClean="0"/>
           </a:p>
@@ -4372,11 +4369,7 @@
             </a:r>
             <a:r>
               <a:rPr lang="zh-CN" altLang="en-US" dirty="0" smtClean="0"/>
-              <a:t>运行程序</a:t>
-            </a:r>
-            <a:r>
-              <a:rPr lang="zh-CN" altLang="en-US" dirty="0" smtClean="0"/>
-              <a:t>。</a:t>
+              <a:t>运行程序。</a:t>
             </a:r>
             <a:endParaRPr lang="en-US" altLang="zh-CN" dirty="0" smtClean="0"/>
           </a:p>
@@ -4830,6 +4823,112 @@
     <p:extLst>
       <p:ext uri="{BB962C8B-B14F-4D97-AF65-F5344CB8AC3E}">
         <p14:creationId xmlns:p14="http://schemas.microsoft.com/office/powerpoint/2010/main" val="1929090038"/>
+      </p:ext>
+    </p:extLst>
+  </p:cSld>
+  <p:clrMapOvr>
+    <a:masterClrMapping/>
+  </p:clrMapOvr>
+</p:sld>
+</file>
+
+<file path=ppt/slides/slide14.xml><?xml version="1.0" encoding="utf-8"?>
+<p:sld xmlns:a="http://schemas.openxmlformats.org/drawingml/2006/main" xmlns:r="http://schemas.openxmlformats.org/officeDocument/2006/relationships" xmlns:p="http://schemas.openxmlformats.org/presentationml/2006/main">
+  <p:cSld>
+    <p:spTree>
+      <p:nvGrpSpPr>
+        <p:cNvPr id="1" name=""/>
+        <p:cNvGrpSpPr/>
+        <p:nvPr/>
+      </p:nvGrpSpPr>
+      <p:grpSpPr>
+        <a:xfrm>
+          <a:off x="0" y="0"/>
+          <a:ext cx="0" cy="0"/>
+          <a:chOff x="0" y="0"/>
+          <a:chExt cx="0" cy="0"/>
+        </a:xfrm>
+      </p:grpSpPr>
+      <p:sp>
+        <p:nvSpPr>
+          <p:cNvPr id="5" name="标题 4"/>
+          <p:cNvSpPr>
+            <a:spLocks noGrp="1"/>
+          </p:cNvSpPr>
+          <p:nvPr>
+            <p:ph type="title"/>
+          </p:nvPr>
+        </p:nvSpPr>
+        <p:spPr/>
+        <p:txBody>
+          <a:bodyPr>
+            <a:normAutofit/>
+          </a:bodyPr>
+          <a:lstStyle/>
+          <a:p>
+            <a:r>
+              <a:rPr lang="zh-CN" altLang="en-US" dirty="0" smtClean="0"/>
+              <a:t>设置完毕</a:t>
+            </a:r>
+            <a:endParaRPr lang="zh-CN" altLang="en-US" dirty="0"/>
+          </a:p>
+        </p:txBody>
+      </p:sp>
+      <p:sp>
+        <p:nvSpPr>
+          <p:cNvPr id="7" name="内容占位符 6"/>
+          <p:cNvSpPr>
+            <a:spLocks noGrp="1"/>
+          </p:cNvSpPr>
+          <p:nvPr>
+            <p:ph idx="1"/>
+          </p:nvPr>
+        </p:nvSpPr>
+        <p:spPr/>
+        <p:txBody>
+          <a:bodyPr/>
+          <a:lstStyle/>
+          <a:p>
+            <a:r>
+              <a:rPr lang="zh-CN" altLang="en-US" dirty="0"/>
+              <a:t>教程中的范例皆已经设置</a:t>
+            </a:r>
+            <a:r>
+              <a:rPr lang="zh-CN" altLang="en-US" dirty="0" smtClean="0"/>
+              <a:t>完成。</a:t>
+            </a:r>
+            <a:endParaRPr lang="en-US" altLang="zh-CN" dirty="0" smtClean="0"/>
+          </a:p>
+          <a:p>
+            <a:pPr lvl="1"/>
+            <a:r>
+              <a:rPr lang="zh-CN" altLang="en-US" dirty="0" smtClean="0"/>
+              <a:t>可以按照上面的方法逐个查看</a:t>
+            </a:r>
+            <a:endParaRPr lang="en-US" altLang="zh-CN" dirty="0" smtClean="0"/>
+          </a:p>
+          <a:p>
+            <a:pPr lvl="1"/>
+            <a:r>
+              <a:rPr lang="zh-CN" altLang="en-US" dirty="0" smtClean="0"/>
+              <a:t>但是，无需</a:t>
+            </a:r>
+            <a:r>
+              <a:rPr lang="zh-CN" altLang="en-US" dirty="0"/>
+              <a:t>重复</a:t>
+            </a:r>
+            <a:r>
+              <a:rPr lang="zh-CN" altLang="en-US" dirty="0" smtClean="0"/>
+              <a:t>设置</a:t>
+            </a:r>
+            <a:endParaRPr lang="en-US" altLang="zh-CN" dirty="0" smtClean="0"/>
+          </a:p>
+        </p:txBody>
+      </p:sp>
+    </p:spTree>
+    <p:extLst>
+      <p:ext uri="{BB962C8B-B14F-4D97-AF65-F5344CB8AC3E}">
+        <p14:creationId xmlns:p14="http://schemas.microsoft.com/office/powerpoint/2010/main" val="80729155"/>
       </p:ext>
     </p:extLst>
   </p:cSld>
